--- a/tanglegram/tanglegram_fig.pptx
+++ b/tanglegram/tanglegram_fig.pptx
@@ -4859,6 +4859,114 @@
           </p:sp>
         </p:grpSp>
       </p:grpSp>
+      <p:sp>
+        <p:nvSpPr>
+          <p:cNvPr id="3" name="Rectangle 2">
+            <a:extLst>
+              <a:ext uri="{FF2B5EF4-FFF2-40B4-BE49-F238E27FC236}">
+                <a16:creationId xmlns:a16="http://schemas.microsoft.com/office/drawing/2014/main" id="{3D6967BF-4840-8602-FE9F-8D12754AD61B}"/>
+              </a:ext>
+            </a:extLst>
+          </p:cNvPr>
+          <p:cNvSpPr/>
+          <p:nvPr/>
+        </p:nvSpPr>
+        <p:spPr>
+          <a:xfrm>
+            <a:off x="8368097" y="715440"/>
+            <a:ext cx="468535" cy="122000"/>
+          </a:xfrm>
+          <a:prstGeom prst="rect">
+            <a:avLst/>
+          </a:prstGeom>
+          <a:solidFill>
+            <a:srgbClr val="FFFF00">
+              <a:alpha val="41466"/>
+            </a:srgbClr>
+          </a:solidFill>
+          <a:ln>
+            <a:noFill/>
+          </a:ln>
+        </p:spPr>
+        <p:style>
+          <a:lnRef idx="2">
+            <a:schemeClr val="accent1">
+              <a:shade val="15000"/>
+            </a:schemeClr>
+          </a:lnRef>
+          <a:fillRef idx="1">
+            <a:schemeClr val="accent1"/>
+          </a:fillRef>
+          <a:effectRef idx="0">
+            <a:schemeClr val="accent1"/>
+          </a:effectRef>
+          <a:fontRef idx="minor">
+            <a:schemeClr val="lt1"/>
+          </a:fontRef>
+        </p:style>
+        <p:txBody>
+          <a:bodyPr rtlCol="0" anchor="ctr"/>
+          <a:lstStyle/>
+          <a:p>
+            <a:pPr algn="ctr"/>
+            <a:endParaRPr lang="en-US"/>
+          </a:p>
+        </p:txBody>
+      </p:sp>
+      <p:sp>
+        <p:nvSpPr>
+          <p:cNvPr id="5" name="Rectangle 4">
+            <a:extLst>
+              <a:ext uri="{FF2B5EF4-FFF2-40B4-BE49-F238E27FC236}">
+                <a16:creationId xmlns:a16="http://schemas.microsoft.com/office/drawing/2014/main" id="{8E3228F6-7572-503B-131B-72C3261DF9BD}"/>
+              </a:ext>
+            </a:extLst>
+          </p:cNvPr>
+          <p:cNvSpPr/>
+          <p:nvPr/>
+        </p:nvSpPr>
+        <p:spPr>
+          <a:xfrm>
+            <a:off x="8353061" y="5542907"/>
+            <a:ext cx="468535" cy="122000"/>
+          </a:xfrm>
+          <a:prstGeom prst="rect">
+            <a:avLst/>
+          </a:prstGeom>
+          <a:solidFill>
+            <a:srgbClr val="FFFF00">
+              <a:alpha val="41466"/>
+            </a:srgbClr>
+          </a:solidFill>
+          <a:ln>
+            <a:noFill/>
+          </a:ln>
+        </p:spPr>
+        <p:style>
+          <a:lnRef idx="2">
+            <a:schemeClr val="accent1">
+              <a:shade val="15000"/>
+            </a:schemeClr>
+          </a:lnRef>
+          <a:fillRef idx="1">
+            <a:schemeClr val="accent1"/>
+          </a:fillRef>
+          <a:effectRef idx="0">
+            <a:schemeClr val="accent1"/>
+          </a:effectRef>
+          <a:fontRef idx="minor">
+            <a:schemeClr val="lt1"/>
+          </a:fontRef>
+        </p:style>
+        <p:txBody>
+          <a:bodyPr rtlCol="0" anchor="ctr"/>
+          <a:lstStyle/>
+          <a:p>
+            <a:pPr algn="ctr"/>
+            <a:endParaRPr lang="en-US"/>
+          </a:p>
+        </p:txBody>
+      </p:sp>
     </p:spTree>
     <p:extLst>
       <p:ext uri="{BB962C8B-B14F-4D97-AF65-F5344CB8AC3E}">
@@ -5370,7 +5478,7 @@
           <p:nvPr>
             <p:extLst>
               <p:ext uri="{D42A27DB-BD31-4B8C-83A1-F6EECF244321}">
-                <p14:modId xmlns:p14="http://schemas.microsoft.com/office/powerpoint/2010/main" val="3633202754"/>
+                <p14:modId xmlns:p14="http://schemas.microsoft.com/office/powerpoint/2010/main" val="2901341094"/>
               </p:ext>
             </p:extLst>
           </p:nvPr>
@@ -6284,7 +6392,7 @@
           <p:nvPr>
             <p:extLst>
               <p:ext uri="{D42A27DB-BD31-4B8C-83A1-F6EECF244321}">
-                <p14:modId xmlns:p14="http://schemas.microsoft.com/office/powerpoint/2010/main" val="1338797018"/>
+                <p14:modId xmlns:p14="http://schemas.microsoft.com/office/powerpoint/2010/main" val="2705632394"/>
               </p:ext>
             </p:extLst>
           </p:nvPr>
@@ -7240,7 +7348,7 @@
           <p:nvPr>
             <p:extLst>
               <p:ext uri="{D42A27DB-BD31-4B8C-83A1-F6EECF244321}">
-                <p14:modId xmlns:p14="http://schemas.microsoft.com/office/powerpoint/2010/main" val="2295006684"/>
+                <p14:modId xmlns:p14="http://schemas.microsoft.com/office/powerpoint/2010/main" val="3865249086"/>
               </p:ext>
             </p:extLst>
           </p:nvPr>
@@ -8159,7 +8267,7 @@
           <p:nvPr>
             <p:extLst>
               <p:ext uri="{D42A27DB-BD31-4B8C-83A1-F6EECF244321}">
-                <p14:modId xmlns:p14="http://schemas.microsoft.com/office/powerpoint/2010/main" val="2814424965"/>
+                <p14:modId xmlns:p14="http://schemas.microsoft.com/office/powerpoint/2010/main" val="1188993846"/>
               </p:ext>
             </p:extLst>
           </p:nvPr>
@@ -9084,7 +9192,7 @@
           <p:nvPr>
             <p:extLst>
               <p:ext uri="{D42A27DB-BD31-4B8C-83A1-F6EECF244321}">
-                <p14:modId xmlns:p14="http://schemas.microsoft.com/office/powerpoint/2010/main" val="1493521260"/>
+                <p14:modId xmlns:p14="http://schemas.microsoft.com/office/powerpoint/2010/main" val="3280012177"/>
               </p:ext>
             </p:extLst>
           </p:nvPr>
@@ -10009,7 +10117,7 @@
           <p:nvPr>
             <p:extLst>
               <p:ext uri="{D42A27DB-BD31-4B8C-83A1-F6EECF244321}">
-                <p14:modId xmlns:p14="http://schemas.microsoft.com/office/powerpoint/2010/main" val="212227410"/>
+                <p14:modId xmlns:p14="http://schemas.microsoft.com/office/powerpoint/2010/main" val="3055670478"/>
               </p:ext>
             </p:extLst>
           </p:nvPr>
@@ -11134,7 +11242,7 @@
         </p:nvSpPr>
         <p:spPr>
           <a:xfrm>
-            <a:off x="2945631" y="244702"/>
+            <a:off x="2945631" y="278932"/>
             <a:ext cx="410361" cy="325004"/>
           </a:xfrm>
           <a:prstGeom prst="rect">
@@ -11675,6 +11783,60 @@
         <p:spPr>
           <a:xfrm>
             <a:off x="7574132" y="6731363"/>
+            <a:ext cx="410361" cy="107876"/>
+          </a:xfrm>
+          <a:prstGeom prst="rect">
+            <a:avLst/>
+          </a:prstGeom>
+          <a:solidFill>
+            <a:srgbClr val="FFFF00">
+              <a:alpha val="41466"/>
+            </a:srgbClr>
+          </a:solidFill>
+          <a:ln>
+            <a:noFill/>
+          </a:ln>
+        </p:spPr>
+        <p:style>
+          <a:lnRef idx="2">
+            <a:schemeClr val="accent1">
+              <a:shade val="15000"/>
+            </a:schemeClr>
+          </a:lnRef>
+          <a:fillRef idx="1">
+            <a:schemeClr val="accent1"/>
+          </a:fillRef>
+          <a:effectRef idx="0">
+            <a:schemeClr val="accent1"/>
+          </a:effectRef>
+          <a:fontRef idx="minor">
+            <a:schemeClr val="lt1"/>
+          </a:fontRef>
+        </p:style>
+        <p:txBody>
+          <a:bodyPr rtlCol="0" anchor="ctr"/>
+          <a:lstStyle/>
+          <a:p>
+            <a:pPr algn="ctr"/>
+            <a:endParaRPr lang="en-US"/>
+          </a:p>
+        </p:txBody>
+      </p:sp>
+      <p:sp>
+        <p:nvSpPr>
+          <p:cNvPr id="3" name="Rectangle 2">
+            <a:extLst>
+              <a:ext uri="{FF2B5EF4-FFF2-40B4-BE49-F238E27FC236}">
+                <a16:creationId xmlns:a16="http://schemas.microsoft.com/office/drawing/2014/main" id="{ED7E2FD0-205B-1261-89D7-621A41335A66}"/>
+              </a:ext>
+            </a:extLst>
+          </p:cNvPr>
+          <p:cNvSpPr/>
+          <p:nvPr/>
+        </p:nvSpPr>
+        <p:spPr>
+          <a:xfrm>
+            <a:off x="7574132" y="569706"/>
             <a:ext cx="410361" cy="107876"/>
           </a:xfrm>
           <a:prstGeom prst="rect">
